--- a/presentations/section-1-use-cases/use_cases.pptx
+++ b/presentations/section-1-use-cases/use_cases.pptx
@@ -495,7 +495,7 @@
           <a:p>
             <a:fld id="{D7841AF4-2F3C-1246-8B66-852E7093BF61}" type="datetimeFigureOut">
               <a:rPr lang="en-US" smtClean="0"/>
-              <a:t>6/26/18</a:t>
+              <a:t>10/8/18</a:t>
             </a:fld>
             <a:endParaRPr lang="en-US"/>
           </a:p>
@@ -13150,7 +13150,7 @@
           </a:ln>
           <a:extLst>
             <a:ext uri="{C572A759-6A51-4108-AA02-DFA0A04FC94B}">
-              <ma14:wrappingTextBoxFlag xmlns="" xmlns:ma14="http://schemas.microsoft.com/office/mac/drawingml/2011/main" val="1"/>
+              <ma14:wrappingTextBoxFlag xmlns:ma14="http://schemas.microsoft.com/office/mac/drawingml/2011/main" xmlns="" val="1"/>
             </a:ext>
           </a:extLst>
         </p:spPr>
@@ -18449,7 +18449,7 @@
           </a:prstGeom>
           <a:extLst>
             <a:ext uri="{C572A759-6A51-4108-AA02-DFA0A04FC94B}">
-              <ma14:wrappingTextBoxFlag xmlns="" xmlns:ma14="http://schemas.microsoft.com/office/mac/drawingml/2011/main" val="1"/>
+              <ma14:wrappingTextBoxFlag xmlns:ma14="http://schemas.microsoft.com/office/mac/drawingml/2011/main" xmlns="" val="1"/>
             </a:ext>
           </a:extLst>
         </p:spPr>
@@ -20040,7 +20040,7 @@
           </a:prstGeom>
           <a:extLst>
             <a:ext uri="{C572A759-6A51-4108-AA02-DFA0A04FC94B}">
-              <ma14:wrappingTextBoxFlag xmlns="" xmlns:ma14="http://schemas.microsoft.com/office/mac/drawingml/2011/main" val="1"/>
+              <ma14:wrappingTextBoxFlag xmlns:ma14="http://schemas.microsoft.com/office/mac/drawingml/2011/main" xmlns="" val="1"/>
             </a:ext>
           </a:extLst>
         </p:spPr>
@@ -21117,7 +21117,7 @@
           </a:ln>
           <a:extLst>
             <a:ext uri="{C572A759-6A51-4108-AA02-DFA0A04FC94B}">
-              <ma14:wrappingTextBoxFlag xmlns="" xmlns:ma14="http://schemas.microsoft.com/office/mac/drawingml/2011/main" val="1"/>
+              <ma14:wrappingTextBoxFlag xmlns:ma14="http://schemas.microsoft.com/office/mac/drawingml/2011/main" xmlns="" val="1"/>
             </a:ext>
           </a:extLst>
         </p:spPr>
@@ -23515,7 +23515,7 @@
           </a:prstGeom>
           <a:extLst>
             <a:ext uri="{C572A759-6A51-4108-AA02-DFA0A04FC94B}">
-              <ma14:wrappingTextBoxFlag xmlns="" xmlns:ma14="http://schemas.microsoft.com/office/mac/drawingml/2011/main" val="1"/>
+              <ma14:wrappingTextBoxFlag xmlns:ma14="http://schemas.microsoft.com/office/mac/drawingml/2011/main" xmlns="" val="1"/>
             </a:ext>
           </a:extLst>
         </p:spPr>
@@ -23548,7 +23548,7 @@
           </a:prstGeom>
           <a:extLst>
             <a:ext uri="{C572A759-6A51-4108-AA02-DFA0A04FC94B}">
-              <ma14:wrappingTextBoxFlag xmlns="" xmlns:ma14="http://schemas.microsoft.com/office/mac/drawingml/2011/main" val="1"/>
+              <ma14:wrappingTextBoxFlag xmlns:ma14="http://schemas.microsoft.com/office/mac/drawingml/2011/main" xmlns="" val="1"/>
             </a:ext>
           </a:extLst>
         </p:spPr>
@@ -23670,7 +23670,7 @@
           </a:prstGeom>
           <a:extLst>
             <a:ext uri="{C572A759-6A51-4108-AA02-DFA0A04FC94B}">
-              <ma14:wrappingTextBoxFlag xmlns="" xmlns:ma14="http://schemas.microsoft.com/office/mac/drawingml/2011/main" val="1"/>
+              <ma14:wrappingTextBoxFlag xmlns:ma14="http://schemas.microsoft.com/office/mac/drawingml/2011/main" xmlns="" val="1"/>
             </a:ext>
           </a:extLst>
         </p:spPr>
@@ -25305,7 +25305,7 @@
           </a:prstGeom>
           <a:extLst>
             <a:ext uri="{C572A759-6A51-4108-AA02-DFA0A04FC94B}">
-              <ma14:wrappingTextBoxFlag xmlns="" xmlns:ma14="http://schemas.microsoft.com/office/mac/drawingml/2011/main" val="1"/>
+              <ma14:wrappingTextBoxFlag xmlns:ma14="http://schemas.microsoft.com/office/mac/drawingml/2011/main" xmlns="" val="1"/>
             </a:ext>
           </a:extLst>
         </p:spPr>
@@ -25338,7 +25338,7 @@
           </a:prstGeom>
           <a:extLst>
             <a:ext uri="{C572A759-6A51-4108-AA02-DFA0A04FC94B}">
-              <ma14:wrappingTextBoxFlag xmlns="" xmlns:ma14="http://schemas.microsoft.com/office/mac/drawingml/2011/main" val="1"/>
+              <ma14:wrappingTextBoxFlag xmlns:ma14="http://schemas.microsoft.com/office/mac/drawingml/2011/main" xmlns="" val="1"/>
             </a:ext>
           </a:extLst>
         </p:spPr>
@@ -25449,7 +25449,7 @@
           </a:prstGeom>
           <a:extLst>
             <a:ext uri="{C572A759-6A51-4108-AA02-DFA0A04FC94B}">
-              <ma14:wrappingTextBoxFlag xmlns="" xmlns:ma14="http://schemas.microsoft.com/office/mac/drawingml/2011/main" val="1"/>
+              <ma14:wrappingTextBoxFlag xmlns:ma14="http://schemas.microsoft.com/office/mac/drawingml/2011/main" xmlns="" val="1"/>
             </a:ext>
           </a:extLst>
         </p:spPr>
@@ -27050,47 +27050,6 @@
       </p:grpSpPr>
       <p:sp>
         <p:nvSpPr>
-          <p:cNvPr id="12" name="Shape 282"/>
-          <p:cNvSpPr>
-            <a:spLocks noGrp="1"/>
-          </p:cNvSpPr>
-          <p:nvPr>
-            <p:ph type="title"/>
-          </p:nvPr>
-        </p:nvSpPr>
-        <p:spPr/>
-        <p:txBody>
-          <a:bodyPr lIns="0" tIns="0" rIns="0" bIns="0" anchor="t"/>
-          <a:lstStyle/>
-          <a:p>
-            <a:r>
-              <a:rPr lang="en-US" dirty="0">
-                <a:solidFill>
-                  <a:schemeClr val="bg1"/>
-                </a:solidFill>
-              </a:rPr>
-              <a:t>Box Platform Developer Workshop</a:t>
-            </a:r>
-            <a:br>
-              <a:rPr lang="en-US" dirty="0">
-                <a:solidFill>
-                  <a:schemeClr val="bg1"/>
-                </a:solidFill>
-              </a:rPr>
-            </a:br>
-            <a:r>
-              <a:rPr lang="en-US" dirty="0">
-                <a:solidFill>
-                  <a:schemeClr val="bg1"/>
-                </a:solidFill>
-              </a:rPr>
-              <a:t>Cummins</a:t>
-            </a:r>
-          </a:p>
-        </p:txBody>
-      </p:sp>
-      <p:sp>
-        <p:nvSpPr>
           <p:cNvPr id="44" name="Text Placeholder 43"/>
           <p:cNvSpPr>
             <a:spLocks noGrp="1"/>
@@ -27156,6 +27115,48 @@
               <a:t>jcleblanc</a:t>
             </a:r>
             <a:endParaRPr lang="en-US" dirty="0"/>
+          </a:p>
+        </p:txBody>
+      </p:sp>
+      <p:sp>
+        <p:nvSpPr>
+          <p:cNvPr id="6" name="Shape 282">
+            <a:extLst>
+              <a:ext uri="{FF2B5EF4-FFF2-40B4-BE49-F238E27FC236}">
+                <a16:creationId xmlns:a16="http://schemas.microsoft.com/office/drawing/2014/main" id="{1B38917A-8B9B-8344-8CFC-D19A7A993879}"/>
+              </a:ext>
+            </a:extLst>
+          </p:cNvPr>
+          <p:cNvSpPr>
+            <a:spLocks noGrp="1"/>
+          </p:cNvSpPr>
+          <p:nvPr>
+            <p:ph type="title"/>
+          </p:nvPr>
+        </p:nvSpPr>
+        <p:spPr>
+          <a:xfrm>
+            <a:off x="914145" y="2867891"/>
+            <a:ext cx="10044800" cy="1411502"/>
+          </a:xfrm>
+        </p:spPr>
+        <p:txBody>
+          <a:bodyPr lIns="0" tIns="0" rIns="0" bIns="0" anchor="t"/>
+          <a:lstStyle/>
+          <a:p>
+            <a:r>
+              <a:rPr lang="en-US" sz="4800" dirty="0">
+                <a:solidFill>
+                  <a:srgbClr val="FEFFFF"/>
+                </a:solidFill>
+              </a:rPr>
+              <a:t>Box Platform Developer Workshop</a:t>
+            </a:r>
+            <a:endParaRPr lang="en-US" dirty="0">
+              <a:solidFill>
+                <a:schemeClr val="bg1"/>
+              </a:solidFill>
+            </a:endParaRPr>
           </a:p>
         </p:txBody>
       </p:sp>
@@ -27648,7 +27649,7 @@
           </a:ln>
           <a:extLst>
             <a:ext uri="{C572A759-6A51-4108-AA02-DFA0A04FC94B}">
-              <ma14:wrappingTextBoxFlag xmlns="" xmlns:ma14="http://schemas.microsoft.com/office/mac/drawingml/2011/main" val="1"/>
+              <ma14:wrappingTextBoxFlag xmlns:ma14="http://schemas.microsoft.com/office/mac/drawingml/2011/main" xmlns="" val="1"/>
             </a:ext>
           </a:extLst>
         </p:spPr>
@@ -29861,7 +29862,7 @@
         </a:ln>
         <a:extLst>
           <a:ext uri="{C572A759-6A51-4108-AA02-DFA0A04FC94B}">
-            <ma14:wrappingTextBoxFlag xmlns="" xmlns:ma14="http://schemas.microsoft.com/office/mac/drawingml/2011/main" val="1"/>
+            <ma14:wrappingTextBoxFlag xmlns:ma14="http://schemas.microsoft.com/office/mac/drawingml/2011/main" xmlns="" val="1"/>
           </a:ext>
         </a:extLst>
       </a:spPr>
@@ -30463,7 +30464,7 @@
         </a:ln>
         <a:extLst>
           <a:ext uri="{C572A759-6A51-4108-AA02-DFA0A04FC94B}">
-            <ma14:wrappingTextBoxFlag xmlns="" xmlns:ma14="http://schemas.microsoft.com/office/mac/drawingml/2011/main" val="1"/>
+            <ma14:wrappingTextBoxFlag xmlns:ma14="http://schemas.microsoft.com/office/mac/drawingml/2011/main" xmlns="" val="1"/>
           </a:ext>
         </a:extLst>
       </a:spPr>
